--- a/Laboratorium zastosowań elektroniki/Laboratory/05.04.2024/Z-PEL-DB-Lab-05.pptx
+++ b/Laboratorium zastosowań elektroniki/Laboratory/05.04.2024/Z-PEL-DB-Lab-05.pptx
@@ -211,7 +211,7 @@
           <a:p>
             <a:fld id="{5F3B955B-D6B9-4E30-9ECB-D1BD75A5F1D8}" type="datetimeFigureOut">
               <a:rPr lang="pl-PL" smtClean="0"/>
-              <a:t>25.03.2024</a:t>
+              <a:t>05.04.2024</a:t>
             </a:fld>
             <a:endParaRPr lang="pl-PL"/>
           </a:p>
@@ -693,7 +693,7 @@
           <a:p>
             <a:fld id="{4D4E0D28-09B2-4E2A-9616-0105020327B5}" type="datetimeFigureOut">
               <a:rPr lang="pl-PL" smtClean="0"/>
-              <a:t>25.03.2024</a:t>
+              <a:t>05.04.2024</a:t>
             </a:fld>
             <a:endParaRPr lang="pl-PL"/>
           </a:p>
@@ -863,7 +863,7 @@
           <a:p>
             <a:fld id="{4D4E0D28-09B2-4E2A-9616-0105020327B5}" type="datetimeFigureOut">
               <a:rPr lang="pl-PL" smtClean="0"/>
-              <a:t>25.03.2024</a:t>
+              <a:t>05.04.2024</a:t>
             </a:fld>
             <a:endParaRPr lang="pl-PL"/>
           </a:p>
@@ -1043,7 +1043,7 @@
           <a:p>
             <a:fld id="{4D4E0D28-09B2-4E2A-9616-0105020327B5}" type="datetimeFigureOut">
               <a:rPr lang="pl-PL" smtClean="0"/>
-              <a:t>25.03.2024</a:t>
+              <a:t>05.04.2024</a:t>
             </a:fld>
             <a:endParaRPr lang="pl-PL"/>
           </a:p>
@@ -1213,7 +1213,7 @@
           <a:p>
             <a:fld id="{4D4E0D28-09B2-4E2A-9616-0105020327B5}" type="datetimeFigureOut">
               <a:rPr lang="pl-PL" smtClean="0"/>
-              <a:t>25.03.2024</a:t>
+              <a:t>05.04.2024</a:t>
             </a:fld>
             <a:endParaRPr lang="pl-PL"/>
           </a:p>
@@ -1457,7 +1457,7 @@
           <a:p>
             <a:fld id="{4D4E0D28-09B2-4E2A-9616-0105020327B5}" type="datetimeFigureOut">
               <a:rPr lang="pl-PL" smtClean="0"/>
-              <a:t>25.03.2024</a:t>
+              <a:t>05.04.2024</a:t>
             </a:fld>
             <a:endParaRPr lang="pl-PL"/>
           </a:p>
@@ -1689,7 +1689,7 @@
           <a:p>
             <a:fld id="{4D4E0D28-09B2-4E2A-9616-0105020327B5}" type="datetimeFigureOut">
               <a:rPr lang="pl-PL" smtClean="0"/>
-              <a:t>25.03.2024</a:t>
+              <a:t>05.04.2024</a:t>
             </a:fld>
             <a:endParaRPr lang="pl-PL"/>
           </a:p>
@@ -2056,7 +2056,7 @@
           <a:p>
             <a:fld id="{4D4E0D28-09B2-4E2A-9616-0105020327B5}" type="datetimeFigureOut">
               <a:rPr lang="pl-PL" smtClean="0"/>
-              <a:t>25.03.2024</a:t>
+              <a:t>05.04.2024</a:t>
             </a:fld>
             <a:endParaRPr lang="pl-PL"/>
           </a:p>
@@ -2174,7 +2174,7 @@
           <a:p>
             <a:fld id="{4D4E0D28-09B2-4E2A-9616-0105020327B5}" type="datetimeFigureOut">
               <a:rPr lang="pl-PL" smtClean="0"/>
-              <a:t>25.03.2024</a:t>
+              <a:t>05.04.2024</a:t>
             </a:fld>
             <a:endParaRPr lang="pl-PL"/>
           </a:p>
@@ -2269,7 +2269,7 @@
           <a:p>
             <a:fld id="{4D4E0D28-09B2-4E2A-9616-0105020327B5}" type="datetimeFigureOut">
               <a:rPr lang="pl-PL" smtClean="0"/>
-              <a:t>25.03.2024</a:t>
+              <a:t>05.04.2024</a:t>
             </a:fld>
             <a:endParaRPr lang="pl-PL"/>
           </a:p>
@@ -2546,7 +2546,7 @@
           <a:p>
             <a:fld id="{4D4E0D28-09B2-4E2A-9616-0105020327B5}" type="datetimeFigureOut">
               <a:rPr lang="pl-PL" smtClean="0"/>
-              <a:t>25.03.2024</a:t>
+              <a:t>05.04.2024</a:t>
             </a:fld>
             <a:endParaRPr lang="pl-PL"/>
           </a:p>
@@ -2803,7 +2803,7 @@
           <a:p>
             <a:fld id="{4D4E0D28-09B2-4E2A-9616-0105020327B5}" type="datetimeFigureOut">
               <a:rPr lang="pl-PL" smtClean="0"/>
-              <a:t>25.03.2024</a:t>
+              <a:t>05.04.2024</a:t>
             </a:fld>
             <a:endParaRPr lang="pl-PL"/>
           </a:p>
@@ -3016,7 +3016,7 @@
           <a:p>
             <a:fld id="{4D4E0D28-09B2-4E2A-9616-0105020327B5}" type="datetimeFigureOut">
               <a:rPr lang="pl-PL" smtClean="0"/>
-              <a:t>25.03.2024</a:t>
+              <a:t>05.04.2024</a:t>
             </a:fld>
             <a:endParaRPr lang="pl-PL"/>
           </a:p>
@@ -4465,7 +4465,7 @@
           <p:nvPr>
             <p:extLst>
               <p:ext uri="{D42A27DB-BD31-4B8C-83A1-F6EECF244321}">
-                <p14:modId xmlns:p14="http://schemas.microsoft.com/office/powerpoint/2010/main" val="3919083689"/>
+                <p14:modId xmlns:p14="http://schemas.microsoft.com/office/powerpoint/2010/main" val="2273607420"/>
               </p:ext>
             </p:extLst>
           </p:nvPr>
@@ -5747,7 +5747,7 @@
                             <a:schemeClr val="tx1"/>
                           </a:solidFill>
                         </a:rPr>
-                        <a:t>360</a:t>
+                        <a:t>150</a:t>
                       </a:r>
                     </a:p>
                   </a:txBody>
